--- a/demo/Slides.pptx
+++ b/demo/Slides.pptx
@@ -4424,6 +4424,161 @@
           <a:prstGeom prst="rect">
             <a:avLst/>
           </a:prstGeom>
+        </p:spPr>
+      </p:pic>
+      <p:pic>
+        <p:nvPicPr>
+          <p:cNvPr id="1030" name="Picture 6" descr="Bildergebnis fÃ¼r badge icon">
+            <a:extLst>
+              <a:ext uri="{FF2B5EF4-FFF2-40B4-BE49-F238E27FC236}">
+                <a16:creationId xmlns:a16="http://schemas.microsoft.com/office/drawing/2014/main" id="{BDA44FDD-19A9-4133-AA5F-C073D6F5EC25}"/>
+              </a:ext>
+            </a:extLst>
+          </p:cNvPr>
+          <p:cNvPicPr>
+            <a:picLocks noChangeAspect="1" noChangeArrowheads="1"/>
+          </p:cNvPicPr>
+          <p:nvPr/>
+        </p:nvPicPr>
+        <p:blipFill>
+          <a:blip r:embed="rId5">
+            <a:extLst>
+              <a:ext uri="{28A0092B-C50C-407E-A947-70E740481C1C}">
+                <a14:useLocalDpi xmlns:a14="http://schemas.microsoft.com/office/drawing/2010/main" val="0"/>
+              </a:ext>
+            </a:extLst>
+          </a:blip>
+          <a:srcRect/>
+          <a:stretch>
+            <a:fillRect/>
+          </a:stretch>
+        </p:blipFill>
+        <p:spPr bwMode="auto">
+          <a:xfrm>
+            <a:off x="4967201" y="5472113"/>
+            <a:ext cx="411163" cy="411163"/>
+          </a:xfrm>
+          <a:prstGeom prst="rect">
+            <a:avLst/>
+          </a:prstGeom>
+          <a:noFill/>
+          <a:extLst>
+            <a:ext uri="{909E8E84-426E-40DD-AFC4-6F175D3DCCD1}">
+              <a14:hiddenFill xmlns:a14="http://schemas.microsoft.com/office/drawing/2010/main">
+                <a:solidFill>
+                  <a:srgbClr val="FFFFFF"/>
+                </a:solidFill>
+              </a14:hiddenFill>
+            </a:ext>
+          </a:extLst>
+        </p:spPr>
+      </p:pic>
+      <p:pic>
+        <p:nvPicPr>
+          <p:cNvPr id="14" name="Picture 6" descr="Bildergebnis fÃ¼r badge icon">
+            <a:extLst>
+              <a:ext uri="{FF2B5EF4-FFF2-40B4-BE49-F238E27FC236}">
+                <a16:creationId xmlns:a16="http://schemas.microsoft.com/office/drawing/2014/main" id="{7A7081C7-361E-4C79-A6C5-E8E961DDBA8F}"/>
+              </a:ext>
+            </a:extLst>
+          </p:cNvPr>
+          <p:cNvPicPr>
+            <a:picLocks noChangeAspect="1" noChangeArrowheads="1"/>
+          </p:cNvPicPr>
+          <p:nvPr/>
+        </p:nvPicPr>
+        <p:blipFill>
+          <a:blip r:embed="rId5">
+            <a:duotone>
+              <a:schemeClr val="accent1">
+                <a:shade val="45000"/>
+                <a:satMod val="135000"/>
+              </a:schemeClr>
+              <a:prstClr val="white"/>
+            </a:duotone>
+            <a:extLst>
+              <a:ext uri="{28A0092B-C50C-407E-A947-70E740481C1C}">
+                <a14:useLocalDpi xmlns:a14="http://schemas.microsoft.com/office/drawing/2010/main" val="0"/>
+              </a:ext>
+            </a:extLst>
+          </a:blip>
+          <a:srcRect/>
+          <a:stretch>
+            <a:fillRect/>
+          </a:stretch>
+        </p:blipFill>
+        <p:spPr bwMode="auto">
+          <a:xfrm>
+            <a:off x="5420840" y="5472113"/>
+            <a:ext cx="411163" cy="411163"/>
+          </a:xfrm>
+          <a:prstGeom prst="rect">
+            <a:avLst/>
+          </a:prstGeom>
+          <a:noFill/>
+          <a:extLst>
+            <a:ext uri="{909E8E84-426E-40DD-AFC4-6F175D3DCCD1}">
+              <a14:hiddenFill xmlns:a14="http://schemas.microsoft.com/office/drawing/2010/main">
+                <a:solidFill>
+                  <a:srgbClr val="FFFFFF"/>
+                </a:solidFill>
+              </a14:hiddenFill>
+            </a:ext>
+          </a:extLst>
+        </p:spPr>
+      </p:pic>
+      <p:pic>
+        <p:nvPicPr>
+          <p:cNvPr id="15" name="Picture 6" descr="Bildergebnis fÃ¼r badge icon">
+            <a:extLst>
+              <a:ext uri="{FF2B5EF4-FFF2-40B4-BE49-F238E27FC236}">
+                <a16:creationId xmlns:a16="http://schemas.microsoft.com/office/drawing/2014/main" id="{3FDC30A5-14F6-4159-957F-48F308FB6504}"/>
+              </a:ext>
+            </a:extLst>
+          </p:cNvPr>
+          <p:cNvPicPr>
+            <a:picLocks noChangeAspect="1" noChangeArrowheads="1"/>
+          </p:cNvPicPr>
+          <p:nvPr/>
+        </p:nvPicPr>
+        <p:blipFill>
+          <a:blip r:embed="rId5">
+            <a:duotone>
+              <a:schemeClr val="accent6">
+                <a:shade val="45000"/>
+                <a:satMod val="135000"/>
+              </a:schemeClr>
+              <a:prstClr val="white"/>
+            </a:duotone>
+            <a:extLst>
+              <a:ext uri="{28A0092B-C50C-407E-A947-70E740481C1C}">
+                <a14:useLocalDpi xmlns:a14="http://schemas.microsoft.com/office/drawing/2010/main" val="0"/>
+              </a:ext>
+            </a:extLst>
+          </a:blip>
+          <a:srcRect/>
+          <a:stretch>
+            <a:fillRect/>
+          </a:stretch>
+        </p:blipFill>
+        <p:spPr bwMode="auto">
+          <a:xfrm>
+            <a:off x="5874479" y="5472113"/>
+            <a:ext cx="411163" cy="411163"/>
+          </a:xfrm>
+          <a:prstGeom prst="rect">
+            <a:avLst/>
+          </a:prstGeom>
+          <a:noFill/>
+          <a:extLst>
+            <a:ext uri="{909E8E84-426E-40DD-AFC4-6F175D3DCCD1}">
+              <a14:hiddenFill xmlns:a14="http://schemas.microsoft.com/office/drawing/2010/main">
+                <a:solidFill>
+                  <a:srgbClr val="FFFFFF"/>
+                </a:solidFill>
+              </a14:hiddenFill>
+            </a:ext>
+          </a:extLst>
         </p:spPr>
       </p:pic>
     </p:spTree>
